--- a/Misc/Windows-Notes.pptx
+++ b/Misc/Windows-Notes.pptx
@@ -11914,7 +11914,12 @@
             <p:ph idx="1"/>
           </p:nvPr>
         </p:nvSpPr>
-        <p:spPr/>
+        <p:spPr>
+          <a:xfrm>
+            <a:off x="669925" y="952500"/>
+            <a:ext cx="6593205" cy="5389245"/>
+          </a:xfrm>
+        </p:spPr>
         <p:txBody>
           <a:bodyPr/>
           <a:p>
@@ -11952,6 +11957,22 @@
             <a:r>
               <a:rPr lang="en-US" altLang="zh-CN"/>
               <a:t>dotnet executable</a:t>
+            </a:r>
+            <a:endParaRPr lang="en-US" altLang="zh-CN"/>
+          </a:p>
+          <a:p>
+            <a:pPr lvl="0"/>
+            <a:r>
+              <a:rPr lang="en-US" altLang="zh-CN"/>
+              <a:t>wmic diskdrive list brief</a:t>
+            </a:r>
+            <a:endParaRPr lang="en-US" altLang="zh-CN"/>
+          </a:p>
+          <a:p>
+            <a:pPr lvl="1"/>
+            <a:r>
+              <a:rPr lang="en-US" altLang="zh-CN"/>
+              <a:t>list mounted disks</a:t>
             </a:r>
             <a:endParaRPr lang="en-US" altLang="zh-CN"/>
           </a:p>
@@ -13369,6 +13390,7 @@
 <file path=ppt/tags/tag142.xml><?xml version="1.0" encoding="utf-8"?>
 <p:tagLst xmlns:p="http://schemas.openxmlformats.org/presentationml/2006/main">
   <p:tag name="KSO_DOCER_TEMPLATE_OPEN_ONCE_MARK" val="1"/>
+  <p:tag name="commondata" val="eyJoZGlkIjoiYjRhZjQ5NWVmZmQxNmM3NmNkNDYxNWRmNzNmMjA1ZDAifQ=="/>
 </p:tagLst>
 </file>
 
